--- a/IOT Poster/IOT Poster Pattern .pptx
+++ b/IOT Poster/IOT Poster Pattern .pptx
@@ -134,12 +134,12 @@
   <pc:docChgLst>
     <pc:chgData name="Mariam Assdi" userId="65c9569a-13f6-4c7a-bd4b-d64bee52e0be" providerId="ADAL" clId="{9C4CD28F-AE51-40B1-8077-135E95233871}"/>
     <pc:docChg chg="modSld">
-      <pc:chgData name="Mariam Assdi" userId="65c9569a-13f6-4c7a-bd4b-d64bee52e0be" providerId="ADAL" clId="{9C4CD28F-AE51-40B1-8077-135E95233871}" dt="2026-02-03T14:11:23.483" v="18" actId="1076"/>
+      <pc:chgData name="Mariam Assdi" userId="65c9569a-13f6-4c7a-bd4b-d64bee52e0be" providerId="ADAL" clId="{9C4CD28F-AE51-40B1-8077-135E95233871}" dt="2026-02-03T14:20:44.072" v="33" actId="14100"/>
       <pc:docMkLst>
         <pc:docMk/>
       </pc:docMkLst>
       <pc:sldChg chg="modSp mod">
-        <pc:chgData name="Mariam Assdi" userId="65c9569a-13f6-4c7a-bd4b-d64bee52e0be" providerId="ADAL" clId="{9C4CD28F-AE51-40B1-8077-135E95233871}" dt="2026-02-03T14:11:23.483" v="18" actId="1076"/>
+        <pc:chgData name="Mariam Assdi" userId="65c9569a-13f6-4c7a-bd4b-d64bee52e0be" providerId="ADAL" clId="{9C4CD28F-AE51-40B1-8077-135E95233871}" dt="2026-02-03T14:20:44.072" v="33" actId="14100"/>
         <pc:sldMkLst>
           <pc:docMk/>
           <pc:sldMk cId="0" sldId="256"/>
@@ -160,6 +160,70 @@
             <ac:spMk id="28" creationId="{99ABEA4A-D189-603E-B4E9-234CD8DEF8FF}"/>
           </ac:spMkLst>
         </pc:spChg>
+        <pc:picChg chg="mod">
+          <ac:chgData name="Mariam Assdi" userId="65c9569a-13f6-4c7a-bd4b-d64bee52e0be" providerId="ADAL" clId="{9C4CD28F-AE51-40B1-8077-135E95233871}" dt="2026-02-03T14:19:43.533" v="24" actId="1076"/>
+          <ac:picMkLst>
+            <pc:docMk/>
+            <pc:sldMk cId="0" sldId="256"/>
+            <ac:picMk id="5" creationId="{85F027F7-2BC5-AB0B-1C60-6B7F157ACCA4}"/>
+          </ac:picMkLst>
+        </pc:picChg>
+        <pc:picChg chg="mod">
+          <ac:chgData name="Mariam Assdi" userId="65c9569a-13f6-4c7a-bd4b-d64bee52e0be" providerId="ADAL" clId="{9C4CD28F-AE51-40B1-8077-135E95233871}" dt="2026-02-03T14:19:51.357" v="26" actId="1076"/>
+          <ac:picMkLst>
+            <pc:docMk/>
+            <pc:sldMk cId="0" sldId="256"/>
+            <ac:picMk id="8" creationId="{0EEC330E-B3E6-0AD6-D96B-4C6531100B5A}"/>
+          </ac:picMkLst>
+        </pc:picChg>
+        <pc:picChg chg="mod">
+          <ac:chgData name="Mariam Assdi" userId="65c9569a-13f6-4c7a-bd4b-d64bee52e0be" providerId="ADAL" clId="{9C4CD28F-AE51-40B1-8077-135E95233871}" dt="2026-02-03T14:20:04.618" v="27" actId="1076"/>
+          <ac:picMkLst>
+            <pc:docMk/>
+            <pc:sldMk cId="0" sldId="256"/>
+            <ac:picMk id="14" creationId="{17C26201-08C9-E42E-0BB1-2B0E0BECC8F9}"/>
+          </ac:picMkLst>
+        </pc:picChg>
+        <pc:picChg chg="mod">
+          <ac:chgData name="Mariam Assdi" userId="65c9569a-13f6-4c7a-bd4b-d64bee52e0be" providerId="ADAL" clId="{9C4CD28F-AE51-40B1-8077-135E95233871}" dt="2026-02-03T14:20:15.245" v="29" actId="1076"/>
+          <ac:picMkLst>
+            <pc:docMk/>
+            <pc:sldMk cId="0" sldId="256"/>
+            <ac:picMk id="15" creationId="{0384DE47-39C9-DC37-0FF3-6ADE91A16858}"/>
+          </ac:picMkLst>
+        </pc:picChg>
+        <pc:picChg chg="mod">
+          <ac:chgData name="Mariam Assdi" userId="65c9569a-13f6-4c7a-bd4b-d64bee52e0be" providerId="ADAL" clId="{9C4CD28F-AE51-40B1-8077-135E95233871}" dt="2026-02-03T14:20:10.929" v="28" actId="1076"/>
+          <ac:picMkLst>
+            <pc:docMk/>
+            <pc:sldMk cId="0" sldId="256"/>
+            <ac:picMk id="16" creationId="{C235C1AA-E23D-8168-A4C1-B7001B213FF2}"/>
+          </ac:picMkLst>
+        </pc:picChg>
+        <pc:picChg chg="mod">
+          <ac:chgData name="Mariam Assdi" userId="65c9569a-13f6-4c7a-bd4b-d64bee52e0be" providerId="ADAL" clId="{9C4CD28F-AE51-40B1-8077-135E95233871}" dt="2026-02-03T14:20:38.196" v="32" actId="14100"/>
+          <ac:picMkLst>
+            <pc:docMk/>
+            <pc:sldMk cId="0" sldId="256"/>
+            <ac:picMk id="17" creationId="{D252221D-422E-96C4-4362-519797972501}"/>
+          </ac:picMkLst>
+        </pc:picChg>
+        <pc:picChg chg="mod">
+          <ac:chgData name="Mariam Assdi" userId="65c9569a-13f6-4c7a-bd4b-d64bee52e0be" providerId="ADAL" clId="{9C4CD28F-AE51-40B1-8077-135E95233871}" dt="2026-02-03T14:20:29.201" v="31" actId="14100"/>
+          <ac:picMkLst>
+            <pc:docMk/>
+            <pc:sldMk cId="0" sldId="256"/>
+            <ac:picMk id="18" creationId="{DF665FA4-A9EB-1018-3833-49A973781694}"/>
+          </ac:picMkLst>
+        </pc:picChg>
+        <pc:picChg chg="mod">
+          <ac:chgData name="Mariam Assdi" userId="65c9569a-13f6-4c7a-bd4b-d64bee52e0be" providerId="ADAL" clId="{9C4CD28F-AE51-40B1-8077-135E95233871}" dt="2026-02-03T14:20:44.072" v="33" actId="14100"/>
+          <ac:picMkLst>
+            <pc:docMk/>
+            <pc:sldMk cId="0" sldId="256"/>
+            <ac:picMk id="21" creationId="{2C464D24-236C-18E2-158E-CED1999CC74B}"/>
+          </ac:picMkLst>
+        </pc:picChg>
       </pc:sldChg>
     </pc:docChg>
   </pc:docChgLst>
@@ -7481,8 +7545,8 @@
         </p:blipFill>
         <p:spPr>
           <a:xfrm>
-            <a:off x="11172973" y="23778342"/>
-            <a:ext cx="3725389" cy="5576154"/>
+            <a:off x="11119293" y="23955278"/>
+            <a:ext cx="3488970" cy="5222283"/>
           </a:xfrm>
           <a:prstGeom prst="rect">
             <a:avLst/>
@@ -7735,8 +7799,8 @@
         </p:blipFill>
         <p:spPr>
           <a:xfrm>
-            <a:off x="1862540" y="23830172"/>
-            <a:ext cx="4478269" cy="5397186"/>
+            <a:off x="1862540" y="23982257"/>
+            <a:ext cx="4290139" cy="5170453"/>
           </a:xfrm>
           <a:prstGeom prst="rect">
             <a:avLst/>
@@ -7776,8 +7840,8 @@
         </p:blipFill>
         <p:spPr>
           <a:xfrm>
-            <a:off x="6851726" y="23778342"/>
-            <a:ext cx="3810330" cy="5576155"/>
+            <a:off x="6851726" y="23955277"/>
+            <a:ext cx="3568520" cy="5222283"/>
           </a:xfrm>
           <a:prstGeom prst="rect">
             <a:avLst/>
@@ -7817,8 +7881,8 @@
         </p:blipFill>
         <p:spPr>
           <a:xfrm>
-            <a:off x="13812837" y="16780800"/>
-            <a:ext cx="3925467" cy="6569025"/>
+            <a:off x="13770703" y="16780800"/>
+            <a:ext cx="3967602" cy="6639536"/>
           </a:xfrm>
           <a:prstGeom prst="rect">
             <a:avLst/>
@@ -7858,8 +7922,8 @@
         </p:blipFill>
         <p:spPr>
           <a:xfrm>
-            <a:off x="18022842" y="16754624"/>
-            <a:ext cx="4370664" cy="6569025"/>
+            <a:off x="18022841" y="16754624"/>
+            <a:ext cx="4504931" cy="6770826"/>
           </a:xfrm>
           <a:prstGeom prst="rect">
             <a:avLst/>
@@ -7898,8 +7962,8 @@
         </p:blipFill>
         <p:spPr>
           <a:xfrm>
-            <a:off x="16327437" y="24132215"/>
-            <a:ext cx="4609540" cy="4868410"/>
+            <a:off x="16327437" y="24010905"/>
+            <a:ext cx="4724400" cy="4989720"/>
           </a:xfrm>
           <a:prstGeom prst="rect">
             <a:avLst/>
@@ -7938,8 +8002,8 @@
         </p:blipFill>
         <p:spPr>
           <a:xfrm>
-            <a:off x="2472603" y="17409128"/>
-            <a:ext cx="5041886" cy="5914521"/>
+            <a:off x="2294254" y="17408978"/>
+            <a:ext cx="5220235" cy="6123738"/>
           </a:xfrm>
           <a:prstGeom prst="rect">
             <a:avLst/>
@@ -7968,8 +8032,8 @@
         </p:blipFill>
         <p:spPr>
           <a:xfrm>
-            <a:off x="7697520" y="17350116"/>
-            <a:ext cx="5220235" cy="5973533"/>
+            <a:off x="7606005" y="17342474"/>
+            <a:ext cx="5403266" cy="6182976"/>
           </a:xfrm>
           <a:prstGeom prst="rect">
             <a:avLst/>

--- a/IOT Poster/IOT Poster Pattern .pptx
+++ b/IOT Poster/IOT Poster Pattern .pptx
@@ -4,6 +4,9 @@
   <p:sldMasterIdLst>
     <p:sldMasterId id="2147483648" r:id="rId4"/>
   </p:sldMasterIdLst>
+  <p:notesMasterIdLst>
+    <p:notesMasterId r:id="rId6"/>
+  </p:notesMasterIdLst>
   <p:sldIdLst>
     <p:sldId id="256" r:id="rId5"/>
   </p:sldIdLst>
@@ -134,16 +137,24 @@
   <pc:docChgLst>
     <pc:chgData name="Mariam Assdi" userId="65c9569a-13f6-4c7a-bd4b-d64bee52e0be" providerId="ADAL" clId="{9C4CD28F-AE51-40B1-8077-135E95233871}"/>
     <pc:docChg chg="modSld">
-      <pc:chgData name="Mariam Assdi" userId="65c9569a-13f6-4c7a-bd4b-d64bee52e0be" providerId="ADAL" clId="{9C4CD28F-AE51-40B1-8077-135E95233871}" dt="2026-02-03T14:20:44.072" v="33" actId="14100"/>
+      <pc:chgData name="Mariam Assdi" userId="65c9569a-13f6-4c7a-bd4b-d64bee52e0be" providerId="ADAL" clId="{9C4CD28F-AE51-40B1-8077-135E95233871}" dt="2026-02-03T14:54:45.906" v="44" actId="1076"/>
       <pc:docMkLst>
         <pc:docMk/>
       </pc:docMkLst>
       <pc:sldChg chg="modSp mod">
-        <pc:chgData name="Mariam Assdi" userId="65c9569a-13f6-4c7a-bd4b-d64bee52e0be" providerId="ADAL" clId="{9C4CD28F-AE51-40B1-8077-135E95233871}" dt="2026-02-03T14:20:44.072" v="33" actId="14100"/>
+        <pc:chgData name="Mariam Assdi" userId="65c9569a-13f6-4c7a-bd4b-d64bee52e0be" providerId="ADAL" clId="{9C4CD28F-AE51-40B1-8077-135E95233871}" dt="2026-02-03T14:54:45.906" v="44" actId="1076"/>
         <pc:sldMkLst>
           <pc:docMk/>
           <pc:sldMk cId="0" sldId="256"/>
         </pc:sldMkLst>
+        <pc:spChg chg="mod">
+          <ac:chgData name="Mariam Assdi" userId="65c9569a-13f6-4c7a-bd4b-d64bee52e0be" providerId="ADAL" clId="{9C4CD28F-AE51-40B1-8077-135E95233871}" dt="2026-02-03T14:53:40.363" v="42" actId="1076"/>
+          <ac:spMkLst>
+            <pc:docMk/>
+            <pc:sldMk cId="0" sldId="256"/>
+            <ac:spMk id="19" creationId="{9F7715F6-3112-F215-AB9F-54352D720F75}"/>
+          </ac:spMkLst>
+        </pc:spChg>
         <pc:spChg chg="mod">
           <ac:chgData name="Mariam Assdi" userId="65c9569a-13f6-4c7a-bd4b-d64bee52e0be" providerId="ADAL" clId="{9C4CD28F-AE51-40B1-8077-135E95233871}" dt="2026-02-03T14:10:40.562" v="17" actId="20577"/>
           <ac:spMkLst>
@@ -201,7 +212,7 @@
           </ac:picMkLst>
         </pc:picChg>
         <pc:picChg chg="mod">
-          <ac:chgData name="Mariam Assdi" userId="65c9569a-13f6-4c7a-bd4b-d64bee52e0be" providerId="ADAL" clId="{9C4CD28F-AE51-40B1-8077-135E95233871}" dt="2026-02-03T14:20:38.196" v="32" actId="14100"/>
+          <ac:chgData name="Mariam Assdi" userId="65c9569a-13f6-4c7a-bd4b-d64bee52e0be" providerId="ADAL" clId="{9C4CD28F-AE51-40B1-8077-135E95233871}" dt="2026-02-03T14:53:13.397" v="39" actId="1076"/>
           <ac:picMkLst>
             <pc:docMk/>
             <pc:sldMk cId="0" sldId="256"/>
@@ -209,7 +220,7 @@
           </ac:picMkLst>
         </pc:picChg>
         <pc:picChg chg="mod">
-          <ac:chgData name="Mariam Assdi" userId="65c9569a-13f6-4c7a-bd4b-d64bee52e0be" providerId="ADAL" clId="{9C4CD28F-AE51-40B1-8077-135E95233871}" dt="2026-02-03T14:20:29.201" v="31" actId="14100"/>
+          <ac:chgData name="Mariam Assdi" userId="65c9569a-13f6-4c7a-bd4b-d64bee52e0be" providerId="ADAL" clId="{9C4CD28F-AE51-40B1-8077-135E95233871}" dt="2026-02-03T14:54:45.906" v="44" actId="1076"/>
           <ac:picMkLst>
             <pc:docMk/>
             <pc:sldMk cId="0" sldId="256"/>
@@ -250,6 +261,439 @@
     </p188:txBody>
   </p188:cm>
 </p188:cmLst>
+</file>
+
+<file path=ppt/notesMasters/notesMaster1.xml><?xml version="1.0" encoding="utf-8"?>
+<p:notesMaster xmlns:a="http://schemas.openxmlformats.org/drawingml/2006/main" xmlns:r="http://schemas.openxmlformats.org/officeDocument/2006/relationships" xmlns:p="http://schemas.openxmlformats.org/presentationml/2006/main">
+  <p:cSld>
+    <p:bg>
+      <p:bgRef idx="1001">
+        <a:schemeClr val="bg1"/>
+      </p:bgRef>
+    </p:bg>
+    <p:spTree>
+      <p:nvGrpSpPr>
+        <p:cNvPr id="1" name=""/>
+        <p:cNvGrpSpPr/>
+        <p:nvPr/>
+      </p:nvGrpSpPr>
+      <p:grpSpPr>
+        <a:xfrm>
+          <a:off x="0" y="0"/>
+          <a:ext cx="0" cy="0"/>
+          <a:chOff x="0" y="0"/>
+          <a:chExt cx="0" cy="0"/>
+        </a:xfrm>
+      </p:grpSpPr>
+      <p:sp>
+        <p:nvSpPr>
+          <p:cNvPr id="2" name="מציין מיקום של כותרת עליונה 1"/>
+          <p:cNvSpPr>
+            <a:spLocks noGrp="1"/>
+          </p:cNvSpPr>
+          <p:nvPr>
+            <p:ph type="hdr" sz="quarter"/>
+          </p:nvPr>
+        </p:nvSpPr>
+        <p:spPr>
+          <a:xfrm>
+            <a:off x="7974013" y="0"/>
+            <a:ext cx="6097587" cy="1008063"/>
+          </a:xfrm>
+          <a:prstGeom prst="rect">
+            <a:avLst/>
+          </a:prstGeom>
+        </p:spPr>
+        <p:txBody>
+          <a:bodyPr vert="horz" lIns="91440" tIns="45720" rIns="91440" bIns="45720" rtlCol="1"/>
+          <a:lstStyle>
+            <a:lvl1pPr algn="r">
+              <a:defRPr sz="1200"/>
+            </a:lvl1pPr>
+          </a:lstStyle>
+          <a:p>
+            <a:endParaRPr lang="he-IL"/>
+          </a:p>
+        </p:txBody>
+      </p:sp>
+      <p:sp>
+        <p:nvSpPr>
+          <p:cNvPr id="3" name="מציין מיקום של תאריך 2"/>
+          <p:cNvSpPr>
+            <a:spLocks noGrp="1"/>
+          </p:cNvSpPr>
+          <p:nvPr>
+            <p:ph type="dt" idx="1"/>
+          </p:nvPr>
+        </p:nvSpPr>
+        <p:spPr>
+          <a:xfrm>
+            <a:off x="3175" y="0"/>
+            <a:ext cx="6097588" cy="1008063"/>
+          </a:xfrm>
+          <a:prstGeom prst="rect">
+            <a:avLst/>
+          </a:prstGeom>
+        </p:spPr>
+        <p:txBody>
+          <a:bodyPr vert="horz" lIns="91440" tIns="45720" rIns="91440" bIns="45720" rtlCol="1"/>
+          <a:lstStyle>
+            <a:lvl1pPr algn="l">
+              <a:defRPr sz="1200"/>
+            </a:lvl1pPr>
+          </a:lstStyle>
+          <a:p>
+            <a:fld id="{6EE23F4E-AE99-4F3A-AF17-0B13F0EF2D33}" type="datetimeFigureOut">
+              <a:rPr lang="he-IL" smtClean="0"/>
+              <a:t>ט"ז/שבט/תשפ"ו</a:t>
+            </a:fld>
+            <a:endParaRPr lang="he-IL"/>
+          </a:p>
+        </p:txBody>
+      </p:sp>
+      <p:sp>
+        <p:nvSpPr>
+          <p:cNvPr id="4" name="מציין מיקום של תמונת שקופית 3"/>
+          <p:cNvSpPr>
+            <a:spLocks noGrp="1" noRot="1" noChangeAspect="1"/>
+          </p:cNvSpPr>
+          <p:nvPr>
+            <p:ph type="sldImg" idx="2"/>
+          </p:nvPr>
+        </p:nvSpPr>
+        <p:spPr>
+          <a:xfrm>
+            <a:off x="4692650" y="2513013"/>
+            <a:ext cx="4686300" cy="6784975"/>
+          </a:xfrm>
+          <a:prstGeom prst="rect">
+            <a:avLst/>
+          </a:prstGeom>
+          <a:noFill/>
+          <a:ln w="12700">
+            <a:solidFill>
+              <a:prstClr val="black"/>
+            </a:solidFill>
+          </a:ln>
+        </p:spPr>
+        <p:txBody>
+          <a:bodyPr vert="horz" lIns="91440" tIns="45720" rIns="91440" bIns="45720" rtlCol="1" anchor="ctr"/>
+          <a:lstStyle/>
+          <a:p>
+            <a:endParaRPr lang="he-IL"/>
+          </a:p>
+        </p:txBody>
+      </p:sp>
+      <p:sp>
+        <p:nvSpPr>
+          <p:cNvPr id="5" name="מציין מיקום של הערות 4"/>
+          <p:cNvSpPr>
+            <a:spLocks noGrp="1"/>
+          </p:cNvSpPr>
+          <p:nvPr>
+            <p:ph type="body" sz="quarter" idx="3"/>
+          </p:nvPr>
+        </p:nvSpPr>
+        <p:spPr>
+          <a:xfrm>
+            <a:off x="1406525" y="9675813"/>
+            <a:ext cx="11258550" cy="7915275"/>
+          </a:xfrm>
+          <a:prstGeom prst="rect">
+            <a:avLst/>
+          </a:prstGeom>
+        </p:spPr>
+        <p:txBody>
+          <a:bodyPr vert="horz" lIns="91440" tIns="45720" rIns="91440" bIns="45720" rtlCol="1"/>
+          <a:lstStyle/>
+          <a:p>
+            <a:pPr lvl="0"/>
+            <a:r>
+              <a:rPr lang="he-IL"/>
+              <a:t>לחץ כדי לערוך סגנונות טקסט של תבנית בסיס</a:t>
+            </a:r>
+          </a:p>
+          <a:p>
+            <a:pPr lvl="1"/>
+            <a:r>
+              <a:rPr lang="he-IL"/>
+              <a:t>רמה שנייה</a:t>
+            </a:r>
+          </a:p>
+          <a:p>
+            <a:pPr lvl="2"/>
+            <a:r>
+              <a:rPr lang="he-IL"/>
+              <a:t>רמה שלישית</a:t>
+            </a:r>
+          </a:p>
+          <a:p>
+            <a:pPr lvl="3"/>
+            <a:r>
+              <a:rPr lang="he-IL"/>
+              <a:t>רמה רביעית</a:t>
+            </a:r>
+          </a:p>
+          <a:p>
+            <a:pPr lvl="4"/>
+            <a:r>
+              <a:rPr lang="he-IL"/>
+              <a:t>רמה חמישית</a:t>
+            </a:r>
+          </a:p>
+        </p:txBody>
+      </p:sp>
+      <p:sp>
+        <p:nvSpPr>
+          <p:cNvPr id="6" name="מציין מיקום של כותרת תחתונה 5"/>
+          <p:cNvSpPr>
+            <a:spLocks noGrp="1"/>
+          </p:cNvSpPr>
+          <p:nvPr>
+            <p:ph type="ftr" sz="quarter" idx="4"/>
+          </p:nvPr>
+        </p:nvSpPr>
+        <p:spPr>
+          <a:xfrm>
+            <a:off x="7974013" y="19096038"/>
+            <a:ext cx="6097587" cy="1008062"/>
+          </a:xfrm>
+          <a:prstGeom prst="rect">
+            <a:avLst/>
+          </a:prstGeom>
+        </p:spPr>
+        <p:txBody>
+          <a:bodyPr vert="horz" lIns="91440" tIns="45720" rIns="91440" bIns="45720" rtlCol="1" anchor="b"/>
+          <a:lstStyle>
+            <a:lvl1pPr algn="r">
+              <a:defRPr sz="1200"/>
+            </a:lvl1pPr>
+          </a:lstStyle>
+          <a:p>
+            <a:endParaRPr lang="he-IL"/>
+          </a:p>
+        </p:txBody>
+      </p:sp>
+      <p:sp>
+        <p:nvSpPr>
+          <p:cNvPr id="7" name="מציין מיקום של מספר שקופית 6"/>
+          <p:cNvSpPr>
+            <a:spLocks noGrp="1"/>
+          </p:cNvSpPr>
+          <p:nvPr>
+            <p:ph type="sldNum" sz="quarter" idx="5"/>
+          </p:nvPr>
+        </p:nvSpPr>
+        <p:spPr>
+          <a:xfrm>
+            <a:off x="3175" y="19096038"/>
+            <a:ext cx="6097588" cy="1008062"/>
+          </a:xfrm>
+          <a:prstGeom prst="rect">
+            <a:avLst/>
+          </a:prstGeom>
+        </p:spPr>
+        <p:txBody>
+          <a:bodyPr vert="horz" lIns="91440" tIns="45720" rIns="91440" bIns="45720" rtlCol="1" anchor="b"/>
+          <a:lstStyle>
+            <a:lvl1pPr algn="l">
+              <a:defRPr sz="1200"/>
+            </a:lvl1pPr>
+          </a:lstStyle>
+          <a:p>
+            <a:fld id="{CB7F9665-97A1-4305-9456-61DEF4B23F7D}" type="slidenum">
+              <a:rPr lang="he-IL" smtClean="0"/>
+              <a:t>‹#›</a:t>
+            </a:fld>
+            <a:endParaRPr lang="he-IL"/>
+          </a:p>
+        </p:txBody>
+      </p:sp>
+    </p:spTree>
+    <p:extLst>
+      <p:ext uri="{BB962C8B-B14F-4D97-AF65-F5344CB8AC3E}">
+        <p14:creationId xmlns:p14="http://schemas.microsoft.com/office/powerpoint/2010/main" val="780303671"/>
+      </p:ext>
+    </p:extLst>
+  </p:cSld>
+  <p:clrMap bg1="lt1" tx1="dk1" bg2="lt2" tx2="dk2" accent1="accent1" accent2="accent2" accent3="accent3" accent4="accent4" accent5="accent5" accent6="accent6" hlink="hlink" folHlink="folHlink"/>
+  <p:notesStyle>
+    <a:lvl1pPr marL="0" algn="r" defTabSz="914400" rtl="1" eaLnBrk="1" latinLnBrk="0" hangingPunct="1">
+      <a:defRPr sz="1200" kern="1200">
+        <a:solidFill>
+          <a:schemeClr val="tx1"/>
+        </a:solidFill>
+        <a:latin typeface="+mn-lt"/>
+        <a:ea typeface="+mn-ea"/>
+        <a:cs typeface="+mn-cs"/>
+      </a:defRPr>
+    </a:lvl1pPr>
+    <a:lvl2pPr marL="457200" algn="r" defTabSz="914400" rtl="1" eaLnBrk="1" latinLnBrk="0" hangingPunct="1">
+      <a:defRPr sz="1200" kern="1200">
+        <a:solidFill>
+          <a:schemeClr val="tx1"/>
+        </a:solidFill>
+        <a:latin typeface="+mn-lt"/>
+        <a:ea typeface="+mn-ea"/>
+        <a:cs typeface="+mn-cs"/>
+      </a:defRPr>
+    </a:lvl2pPr>
+    <a:lvl3pPr marL="914400" algn="r" defTabSz="914400" rtl="1" eaLnBrk="1" latinLnBrk="0" hangingPunct="1">
+      <a:defRPr sz="1200" kern="1200">
+        <a:solidFill>
+          <a:schemeClr val="tx1"/>
+        </a:solidFill>
+        <a:latin typeface="+mn-lt"/>
+        <a:ea typeface="+mn-ea"/>
+        <a:cs typeface="+mn-cs"/>
+      </a:defRPr>
+    </a:lvl3pPr>
+    <a:lvl4pPr marL="1371600" algn="r" defTabSz="914400" rtl="1" eaLnBrk="1" latinLnBrk="0" hangingPunct="1">
+      <a:defRPr sz="1200" kern="1200">
+        <a:solidFill>
+          <a:schemeClr val="tx1"/>
+        </a:solidFill>
+        <a:latin typeface="+mn-lt"/>
+        <a:ea typeface="+mn-ea"/>
+        <a:cs typeface="+mn-cs"/>
+      </a:defRPr>
+    </a:lvl4pPr>
+    <a:lvl5pPr marL="1828800" algn="r" defTabSz="914400" rtl="1" eaLnBrk="1" latinLnBrk="0" hangingPunct="1">
+      <a:defRPr sz="1200" kern="1200">
+        <a:solidFill>
+          <a:schemeClr val="tx1"/>
+        </a:solidFill>
+        <a:latin typeface="+mn-lt"/>
+        <a:ea typeface="+mn-ea"/>
+        <a:cs typeface="+mn-cs"/>
+      </a:defRPr>
+    </a:lvl5pPr>
+    <a:lvl6pPr marL="2286000" algn="r" defTabSz="914400" rtl="1" eaLnBrk="1" latinLnBrk="0" hangingPunct="1">
+      <a:defRPr sz="1200" kern="1200">
+        <a:solidFill>
+          <a:schemeClr val="tx1"/>
+        </a:solidFill>
+        <a:latin typeface="+mn-lt"/>
+        <a:ea typeface="+mn-ea"/>
+        <a:cs typeface="+mn-cs"/>
+      </a:defRPr>
+    </a:lvl6pPr>
+    <a:lvl7pPr marL="2743200" algn="r" defTabSz="914400" rtl="1" eaLnBrk="1" latinLnBrk="0" hangingPunct="1">
+      <a:defRPr sz="1200" kern="1200">
+        <a:solidFill>
+          <a:schemeClr val="tx1"/>
+        </a:solidFill>
+        <a:latin typeface="+mn-lt"/>
+        <a:ea typeface="+mn-ea"/>
+        <a:cs typeface="+mn-cs"/>
+      </a:defRPr>
+    </a:lvl7pPr>
+    <a:lvl8pPr marL="3200400" algn="r" defTabSz="914400" rtl="1" eaLnBrk="1" latinLnBrk="0" hangingPunct="1">
+      <a:defRPr sz="1200" kern="1200">
+        <a:solidFill>
+          <a:schemeClr val="tx1"/>
+        </a:solidFill>
+        <a:latin typeface="+mn-lt"/>
+        <a:ea typeface="+mn-ea"/>
+        <a:cs typeface="+mn-cs"/>
+      </a:defRPr>
+    </a:lvl8pPr>
+    <a:lvl9pPr marL="3657600" algn="r" defTabSz="914400" rtl="1" eaLnBrk="1" latinLnBrk="0" hangingPunct="1">
+      <a:defRPr sz="1200" kern="1200">
+        <a:solidFill>
+          <a:schemeClr val="tx1"/>
+        </a:solidFill>
+        <a:latin typeface="+mn-lt"/>
+        <a:ea typeface="+mn-ea"/>
+        <a:cs typeface="+mn-cs"/>
+      </a:defRPr>
+    </a:lvl9pPr>
+  </p:notesStyle>
+</p:notesMaster>
+</file>
+
+<file path=ppt/notesSlides/notesSlide1.xml><?xml version="1.0" encoding="utf-8"?>
+<p:notes xmlns:a="http://schemas.openxmlformats.org/drawingml/2006/main" xmlns:r="http://schemas.openxmlformats.org/officeDocument/2006/relationships" xmlns:p="http://schemas.openxmlformats.org/presentationml/2006/main">
+  <p:cSld>
+    <p:spTree>
+      <p:nvGrpSpPr>
+        <p:cNvPr id="1" name=""/>
+        <p:cNvGrpSpPr/>
+        <p:nvPr/>
+      </p:nvGrpSpPr>
+      <p:grpSpPr>
+        <a:xfrm>
+          <a:off x="0" y="0"/>
+          <a:ext cx="0" cy="0"/>
+          <a:chOff x="0" y="0"/>
+          <a:chExt cx="0" cy="0"/>
+        </a:xfrm>
+      </p:grpSpPr>
+      <p:sp>
+        <p:nvSpPr>
+          <p:cNvPr id="2" name="מציין מיקום של תמונת שקופית 1"/>
+          <p:cNvSpPr>
+            <a:spLocks noGrp="1" noRot="1" noChangeAspect="1"/>
+          </p:cNvSpPr>
+          <p:nvPr>
+            <p:ph type="sldImg"/>
+          </p:nvPr>
+        </p:nvSpPr>
+        <p:spPr/>
+      </p:sp>
+      <p:sp>
+        <p:nvSpPr>
+          <p:cNvPr id="3" name="מציין מיקום של הערות 2"/>
+          <p:cNvSpPr>
+            <a:spLocks noGrp="1"/>
+          </p:cNvSpPr>
+          <p:nvPr>
+            <p:ph type="body" idx="1"/>
+          </p:nvPr>
+        </p:nvSpPr>
+        <p:spPr/>
+        <p:txBody>
+          <a:bodyPr/>
+          <a:lstStyle/>
+          <a:p>
+            <a:endParaRPr lang="he-IL" dirty="0"/>
+          </a:p>
+        </p:txBody>
+      </p:sp>
+      <p:sp>
+        <p:nvSpPr>
+          <p:cNvPr id="4" name="מציין מיקום של מספר שקופית 3"/>
+          <p:cNvSpPr>
+            <a:spLocks noGrp="1"/>
+          </p:cNvSpPr>
+          <p:nvPr>
+            <p:ph type="sldNum" sz="quarter" idx="5"/>
+          </p:nvPr>
+        </p:nvSpPr>
+        <p:spPr/>
+        <p:txBody>
+          <a:bodyPr/>
+          <a:lstStyle/>
+          <a:p>
+            <a:fld id="{CB7F9665-97A1-4305-9456-61DEF4B23F7D}" type="slidenum">
+              <a:rPr lang="he-IL" smtClean="0"/>
+              <a:t>1</a:t>
+            </a:fld>
+            <a:endParaRPr lang="he-IL"/>
+          </a:p>
+        </p:txBody>
+      </p:sp>
+    </p:spTree>
+    <p:extLst>
+      <p:ext uri="{BB962C8B-B14F-4D97-AF65-F5344CB8AC3E}">
+        <p14:creationId xmlns:p14="http://schemas.microsoft.com/office/powerpoint/2010/main" val="3385731323"/>
+      </p:ext>
+    </p:extLst>
+  </p:cSld>
+  <p:clrMapOvr>
+    <a:masterClrMapping/>
+  </p:clrMapOvr>
+</p:notes>
 </file>
 
 <file path=ppt/slideLayouts/slideLayout1.xml><?xml version="1.0" encoding="utf-8"?>
@@ -7531,7 +7975,7 @@
           <p:nvPr/>
         </p:nvPicPr>
         <p:blipFill>
-          <a:blip r:embed="rId3">
+          <a:blip r:embed="rId4">
             <a:extLst>
               <a:ext uri="{28A0092B-C50C-407E-A947-70E740481C1C}">
                 <a14:useLocalDpi xmlns:a14="http://schemas.microsoft.com/office/drawing/2010/main" val="0"/>
@@ -7792,7 +8236,7 @@
           <p:nvPr/>
         </p:nvPicPr>
         <p:blipFill>
-          <a:blip r:embed="rId4"/>
+          <a:blip r:embed="rId5"/>
           <a:stretch>
             <a:fillRect/>
           </a:stretch>
@@ -7832,7 +8276,7 @@
           <p:nvPr/>
         </p:nvPicPr>
         <p:blipFill>
-          <a:blip r:embed="rId5"/>
+          <a:blip r:embed="rId6"/>
           <a:srcRect b="4361"/>
           <a:stretch>
             <a:fillRect/>
@@ -7873,7 +8317,7 @@
           <p:nvPr/>
         </p:nvPicPr>
         <p:blipFill>
-          <a:blip r:embed="rId6"/>
+          <a:blip r:embed="rId7"/>
           <a:srcRect b="4343"/>
           <a:stretch>
             <a:fillRect/>
@@ -7881,7 +8325,7 @@
         </p:blipFill>
         <p:spPr>
           <a:xfrm>
-            <a:off x="13770703" y="16780800"/>
+            <a:off x="13736637" y="16956060"/>
             <a:ext cx="3967602" cy="6639536"/>
           </a:xfrm>
           <a:prstGeom prst="rect">
@@ -7914,7 +8358,7 @@
           <p:nvPr/>
         </p:nvPicPr>
         <p:blipFill>
-          <a:blip r:embed="rId7"/>
+          <a:blip r:embed="rId8"/>
           <a:srcRect b="4207"/>
           <a:stretch>
             <a:fillRect/>
@@ -7922,8 +8366,8 @@
         </p:blipFill>
         <p:spPr>
           <a:xfrm>
-            <a:off x="18022841" y="16754624"/>
-            <a:ext cx="4504931" cy="6770826"/>
+            <a:off x="18008910" y="16956060"/>
+            <a:ext cx="4504931" cy="6658281"/>
           </a:xfrm>
           <a:prstGeom prst="rect">
             <a:avLst/>
@@ -7955,7 +8399,7 @@
           <p:nvPr/>
         </p:nvPicPr>
         <p:blipFill>
-          <a:blip r:embed="rId8"/>
+          <a:blip r:embed="rId9"/>
           <a:stretch>
             <a:fillRect/>
           </a:stretch>
@@ -7995,7 +8439,7 @@
           <p:nvPr/>
         </p:nvPicPr>
         <p:blipFill>
-          <a:blip r:embed="rId9"/>
+          <a:blip r:embed="rId10"/>
           <a:stretch>
             <a:fillRect/>
           </a:stretch>
@@ -8025,7 +8469,7 @@
           <p:nvPr/>
         </p:nvPicPr>
         <p:blipFill>
-          <a:blip r:embed="rId10"/>
+          <a:blip r:embed="rId11"/>
           <a:stretch>
             <a:fillRect/>
           </a:stretch>
@@ -8054,7 +8498,7 @@
         </p:nvSpPr>
         <p:spPr>
           <a:xfrm>
-            <a:off x="15261936" y="15922841"/>
+            <a:off x="15227610" y="16001285"/>
             <a:ext cx="5562600" cy="707886"/>
           </a:xfrm>
           <a:prstGeom prst="rect">
@@ -8121,7 +8565,7 @@
   </p:clrMapOvr>
   <p:extLst>
     <p:ext uri="{6950BFC3-D8DA-4A85-94F7-54DA5524770B}">
-      <p188:commentRel xmlns:p188="http://schemas.microsoft.com/office/powerpoint/2018/8/main" r:id="rId2"/>
+      <p188:commentRel xmlns:p188="http://schemas.microsoft.com/office/powerpoint/2018/8/main" r:id="rId3"/>
     </p:ext>
   </p:extLst>
 </p:sld>
@@ -8407,6 +8851,321 @@
   </a:themeElements>
   <a:objectDefaults/>
   <a:extraClrSchemeLst/>
+</a:theme>
+</file>
+
+<file path=ppt/theme/theme2.xml><?xml version="1.0" encoding="utf-8"?>
+<a:theme xmlns:a="http://schemas.openxmlformats.org/drawingml/2006/main" name="ערכת נושא Office">
+  <a:themeElements>
+    <a:clrScheme name="Office">
+      <a:dk1>
+        <a:sysClr val="windowText" lastClr="000000"/>
+      </a:dk1>
+      <a:lt1>
+        <a:sysClr val="window" lastClr="FFFFFF"/>
+      </a:lt1>
+      <a:dk2>
+        <a:srgbClr val="0E2841"/>
+      </a:dk2>
+      <a:lt2>
+        <a:srgbClr val="E8E8E8"/>
+      </a:lt2>
+      <a:accent1>
+        <a:srgbClr val="156082"/>
+      </a:accent1>
+      <a:accent2>
+        <a:srgbClr val="E97132"/>
+      </a:accent2>
+      <a:accent3>
+        <a:srgbClr val="196B24"/>
+      </a:accent3>
+      <a:accent4>
+        <a:srgbClr val="0F9ED5"/>
+      </a:accent4>
+      <a:accent5>
+        <a:srgbClr val="A02B93"/>
+      </a:accent5>
+      <a:accent6>
+        <a:srgbClr val="4EA72E"/>
+      </a:accent6>
+      <a:hlink>
+        <a:srgbClr val="467886"/>
+      </a:hlink>
+      <a:folHlink>
+        <a:srgbClr val="96607D"/>
+      </a:folHlink>
+    </a:clrScheme>
+    <a:fontScheme name="Office">
+      <a:majorFont>
+        <a:latin typeface="Aptos Display" panose="02110004020202020204"/>
+        <a:ea typeface=""/>
+        <a:cs typeface=""/>
+        <a:font script="Jpan" typeface="游ゴシック Light"/>
+        <a:font script="Hang" typeface="맑은 고딕"/>
+        <a:font script="Hans" typeface="等线 Light"/>
+        <a:font script="Hant" typeface="新細明體"/>
+        <a:font script="Arab" typeface="Times New Roman"/>
+        <a:font script="Hebr" typeface="Times New Roman"/>
+        <a:font script="Thai" typeface="Angsana New"/>
+        <a:font script="Ethi" typeface="Nyala"/>
+        <a:font script="Beng" typeface="Vrinda"/>
+        <a:font script="Gujr" typeface="Shruti"/>
+        <a:font script="Khmr" typeface="MoolBoran"/>
+        <a:font script="Knda" typeface="Tunga"/>
+        <a:font script="Guru" typeface="Raavi"/>
+        <a:font script="Cans" typeface="Euphemia"/>
+        <a:font script="Cher" typeface="Plantagenet Cherokee"/>
+        <a:font script="Yiii" typeface="Microsoft Yi Baiti"/>
+        <a:font script="Tibt" typeface="Microsoft Himalaya"/>
+        <a:font script="Thaa" typeface="MV Boli"/>
+        <a:font script="Deva" typeface="Mangal"/>
+        <a:font script="Telu" typeface="Gautami"/>
+        <a:font script="Taml" typeface="Latha"/>
+        <a:font script="Syrc" typeface="Estrangelo Edessa"/>
+        <a:font script="Orya" typeface="Kalinga"/>
+        <a:font script="Mlym" typeface="Kartika"/>
+        <a:font script="Laoo" typeface="DokChampa"/>
+        <a:font script="Sinh" typeface="Iskoola Pota"/>
+        <a:font script="Mong" typeface="Mongolian Baiti"/>
+        <a:font script="Viet" typeface="Times New Roman"/>
+        <a:font script="Uigh" typeface="Microsoft Uighur"/>
+        <a:font script="Geor" typeface="Sylfaen"/>
+        <a:font script="Armn" typeface="Arial"/>
+        <a:font script="Bugi" typeface="Leelawadee UI"/>
+        <a:font script="Bopo" typeface="Microsoft JhengHei"/>
+        <a:font script="Java" typeface="Javanese Text"/>
+        <a:font script="Lisu" typeface="Segoe UI"/>
+        <a:font script="Mymr" typeface="Myanmar Text"/>
+        <a:font script="Nkoo" typeface="Ebrima"/>
+        <a:font script="Olck" typeface="Nirmala UI"/>
+        <a:font script="Osma" typeface="Ebrima"/>
+        <a:font script="Phag" typeface="Phagspa"/>
+        <a:font script="Syrn" typeface="Estrangelo Edessa"/>
+        <a:font script="Syrj" typeface="Estrangelo Edessa"/>
+        <a:font script="Syre" typeface="Estrangelo Edessa"/>
+        <a:font script="Sora" typeface="Nirmala UI"/>
+        <a:font script="Tale" typeface="Microsoft Tai Le"/>
+        <a:font script="Talu" typeface="Microsoft New Tai Lue"/>
+        <a:font script="Tfng" typeface="Ebrima"/>
+      </a:majorFont>
+      <a:minorFont>
+        <a:latin typeface="Aptos" panose="02110004020202020204"/>
+        <a:ea typeface=""/>
+        <a:cs typeface=""/>
+        <a:font script="Jpan" typeface="游ゴシック"/>
+        <a:font script="Hang" typeface="맑은 고딕"/>
+        <a:font script="Hans" typeface="等线"/>
+        <a:font script="Hant" typeface="新細明體"/>
+        <a:font script="Arab" typeface="Arial"/>
+        <a:font script="Hebr" typeface="Arial"/>
+        <a:font script="Thai" typeface="Cordia New"/>
+        <a:font script="Ethi" typeface="Nyala"/>
+        <a:font script="Beng" typeface="Vrinda"/>
+        <a:font script="Gujr" typeface="Shruti"/>
+        <a:font script="Khmr" typeface="DaunPenh"/>
+        <a:font script="Knda" typeface="Tunga"/>
+        <a:font script="Guru" typeface="Raavi"/>
+        <a:font script="Cans" typeface="Euphemia"/>
+        <a:font script="Cher" typeface="Plantagenet Cherokee"/>
+        <a:font script="Yiii" typeface="Microsoft Yi Baiti"/>
+        <a:font script="Tibt" typeface="Microsoft Himalaya"/>
+        <a:font script="Thaa" typeface="MV Boli"/>
+        <a:font script="Deva" typeface="Mangal"/>
+        <a:font script="Telu" typeface="Gautami"/>
+        <a:font script="Taml" typeface="Latha"/>
+        <a:font script="Syrc" typeface="Estrangelo Edessa"/>
+        <a:font script="Orya" typeface="Kalinga"/>
+        <a:font script="Mlym" typeface="Kartika"/>
+        <a:font script="Laoo" typeface="DokChampa"/>
+        <a:font script="Sinh" typeface="Iskoola Pota"/>
+        <a:font script="Mong" typeface="Mongolian Baiti"/>
+        <a:font script="Viet" typeface="Arial"/>
+        <a:font script="Uigh" typeface="Microsoft Uighur"/>
+        <a:font script="Geor" typeface="Sylfaen"/>
+        <a:font script="Armn" typeface="Arial"/>
+        <a:font script="Bugi" typeface="Leelawadee UI"/>
+        <a:font script="Bopo" typeface="Microsoft JhengHei"/>
+        <a:font script="Java" typeface="Javanese Text"/>
+        <a:font script="Lisu" typeface="Segoe UI"/>
+        <a:font script="Mymr" typeface="Myanmar Text"/>
+        <a:font script="Nkoo" typeface="Ebrima"/>
+        <a:font script="Olck" typeface="Nirmala UI"/>
+        <a:font script="Osma" typeface="Ebrima"/>
+        <a:font script="Phag" typeface="Phagspa"/>
+        <a:font script="Syrn" typeface="Estrangelo Edessa"/>
+        <a:font script="Syrj" typeface="Estrangelo Edessa"/>
+        <a:font script="Syre" typeface="Estrangelo Edessa"/>
+        <a:font script="Sora" typeface="Nirmala UI"/>
+        <a:font script="Tale" typeface="Microsoft Tai Le"/>
+        <a:font script="Talu" typeface="Microsoft New Tai Lue"/>
+        <a:font script="Tfng" typeface="Ebrima"/>
+      </a:minorFont>
+    </a:fontScheme>
+    <a:fmtScheme name="Office">
+      <a:fillStyleLst>
+        <a:solidFill>
+          <a:schemeClr val="phClr"/>
+        </a:solidFill>
+        <a:gradFill rotWithShape="1">
+          <a:gsLst>
+            <a:gs pos="0">
+              <a:schemeClr val="phClr">
+                <a:lumMod val="110000"/>
+                <a:satMod val="105000"/>
+                <a:tint val="67000"/>
+              </a:schemeClr>
+            </a:gs>
+            <a:gs pos="50000">
+              <a:schemeClr val="phClr">
+                <a:lumMod val="105000"/>
+                <a:satMod val="103000"/>
+                <a:tint val="73000"/>
+              </a:schemeClr>
+            </a:gs>
+            <a:gs pos="100000">
+              <a:schemeClr val="phClr">
+                <a:lumMod val="105000"/>
+                <a:satMod val="109000"/>
+                <a:tint val="81000"/>
+              </a:schemeClr>
+            </a:gs>
+          </a:gsLst>
+          <a:lin ang="5400000" scaled="0"/>
+        </a:gradFill>
+        <a:gradFill rotWithShape="1">
+          <a:gsLst>
+            <a:gs pos="0">
+              <a:schemeClr val="phClr">
+                <a:satMod val="103000"/>
+                <a:lumMod val="102000"/>
+                <a:tint val="94000"/>
+              </a:schemeClr>
+            </a:gs>
+            <a:gs pos="50000">
+              <a:schemeClr val="phClr">
+                <a:satMod val="110000"/>
+                <a:lumMod val="100000"/>
+                <a:shade val="100000"/>
+              </a:schemeClr>
+            </a:gs>
+            <a:gs pos="100000">
+              <a:schemeClr val="phClr">
+                <a:lumMod val="99000"/>
+                <a:satMod val="120000"/>
+                <a:shade val="78000"/>
+              </a:schemeClr>
+            </a:gs>
+          </a:gsLst>
+          <a:lin ang="5400000" scaled="0"/>
+        </a:gradFill>
+      </a:fillStyleLst>
+      <a:lnStyleLst>
+        <a:ln w="12700" cap="flat" cmpd="sng" algn="ctr">
+          <a:solidFill>
+            <a:schemeClr val="phClr"/>
+          </a:solidFill>
+          <a:prstDash val="solid"/>
+          <a:miter lim="800000"/>
+        </a:ln>
+        <a:ln w="19050" cap="flat" cmpd="sng" algn="ctr">
+          <a:solidFill>
+            <a:schemeClr val="phClr"/>
+          </a:solidFill>
+          <a:prstDash val="solid"/>
+          <a:miter lim="800000"/>
+        </a:ln>
+        <a:ln w="25400" cap="flat" cmpd="sng" algn="ctr">
+          <a:solidFill>
+            <a:schemeClr val="phClr"/>
+          </a:solidFill>
+          <a:prstDash val="solid"/>
+          <a:miter lim="800000"/>
+        </a:ln>
+      </a:lnStyleLst>
+      <a:effectStyleLst>
+        <a:effectStyle>
+          <a:effectLst/>
+        </a:effectStyle>
+        <a:effectStyle>
+          <a:effectLst/>
+        </a:effectStyle>
+        <a:effectStyle>
+          <a:effectLst>
+            <a:outerShdw blurRad="57150" dist="19050" dir="5400000" algn="ctr" rotWithShape="0">
+              <a:srgbClr val="000000">
+                <a:alpha val="63000"/>
+              </a:srgbClr>
+            </a:outerShdw>
+          </a:effectLst>
+        </a:effectStyle>
+      </a:effectStyleLst>
+      <a:bgFillStyleLst>
+        <a:solidFill>
+          <a:schemeClr val="phClr"/>
+        </a:solidFill>
+        <a:solidFill>
+          <a:schemeClr val="phClr">
+            <a:tint val="95000"/>
+            <a:satMod val="170000"/>
+          </a:schemeClr>
+        </a:solidFill>
+        <a:gradFill rotWithShape="1">
+          <a:gsLst>
+            <a:gs pos="0">
+              <a:schemeClr val="phClr">
+                <a:tint val="93000"/>
+                <a:satMod val="150000"/>
+                <a:shade val="98000"/>
+                <a:lumMod val="102000"/>
+              </a:schemeClr>
+            </a:gs>
+            <a:gs pos="50000">
+              <a:schemeClr val="phClr">
+                <a:tint val="98000"/>
+                <a:satMod val="130000"/>
+                <a:shade val="90000"/>
+                <a:lumMod val="103000"/>
+              </a:schemeClr>
+            </a:gs>
+            <a:gs pos="100000">
+              <a:schemeClr val="phClr">
+                <a:shade val="63000"/>
+                <a:satMod val="120000"/>
+              </a:schemeClr>
+            </a:gs>
+          </a:gsLst>
+          <a:lin ang="5400000" scaled="0"/>
+        </a:gradFill>
+      </a:bgFillStyleLst>
+    </a:fmtScheme>
+  </a:themeElements>
+  <a:objectDefaults>
+    <a:lnDef>
+      <a:spPr/>
+      <a:bodyPr/>
+      <a:lstStyle/>
+      <a:style>
+        <a:lnRef idx="2">
+          <a:schemeClr val="accent1"/>
+        </a:lnRef>
+        <a:fillRef idx="0">
+          <a:schemeClr val="accent1"/>
+        </a:fillRef>
+        <a:effectRef idx="1">
+          <a:schemeClr val="accent1"/>
+        </a:effectRef>
+        <a:fontRef idx="minor">
+          <a:schemeClr val="tx1"/>
+        </a:fontRef>
+      </a:style>
+    </a:lnDef>
+  </a:objectDefaults>
+  <a:extraClrSchemeLst/>
+  <a:extLst>
+    <a:ext uri="{05A4C25C-085E-4340-85A3-A5531E510DB2}">
+      <thm15:themeFamily xmlns:thm15="http://schemas.microsoft.com/office/thememl/2012/main" name="Office Theme" id="{2E142A2C-CD16-42D6-873A-C26D2A0506FA}" vid="{1BDDFF52-6CD6-40A5-AB3C-68EB2F1E4D0A}"/>
+    </a:ext>
+  </a:extLst>
 </a:theme>
 </file>
 

--- a/IOT Poster/IOT Poster Pattern .pptx
+++ b/IOT Poster/IOT Poster Pattern .pptx
@@ -137,12 +137,12 @@
   <pc:docChgLst>
     <pc:chgData name="Mariam Assdi" userId="65c9569a-13f6-4c7a-bd4b-d64bee52e0be" providerId="ADAL" clId="{9C4CD28F-AE51-40B1-8077-135E95233871}"/>
     <pc:docChg chg="modSld">
-      <pc:chgData name="Mariam Assdi" userId="65c9569a-13f6-4c7a-bd4b-d64bee52e0be" providerId="ADAL" clId="{9C4CD28F-AE51-40B1-8077-135E95233871}" dt="2026-02-03T14:54:45.906" v="44" actId="1076"/>
+      <pc:chgData name="Mariam Assdi" userId="65c9569a-13f6-4c7a-bd4b-d64bee52e0be" providerId="ADAL" clId="{9C4CD28F-AE51-40B1-8077-135E95233871}" dt="2026-02-03T15:05:19.518" v="52" actId="1076"/>
       <pc:docMkLst>
         <pc:docMk/>
       </pc:docMkLst>
-      <pc:sldChg chg="modSp mod">
-        <pc:chgData name="Mariam Assdi" userId="65c9569a-13f6-4c7a-bd4b-d64bee52e0be" providerId="ADAL" clId="{9C4CD28F-AE51-40B1-8077-135E95233871}" dt="2026-02-03T14:54:45.906" v="44" actId="1076"/>
+      <pc:sldChg chg="addSp modSp mod">
+        <pc:chgData name="Mariam Assdi" userId="65c9569a-13f6-4c7a-bd4b-d64bee52e0be" providerId="ADAL" clId="{9C4CD28F-AE51-40B1-8077-135E95233871}" dt="2026-02-03T15:05:19.518" v="52" actId="1076"/>
         <pc:sldMkLst>
           <pc:docMk/>
           <pc:sldMk cId="0" sldId="256"/>
@@ -233,6 +233,14 @@
             <pc:docMk/>
             <pc:sldMk cId="0" sldId="256"/>
             <ac:picMk id="21" creationId="{2C464D24-236C-18E2-158E-CED1999CC74B}"/>
+          </ac:picMkLst>
+        </pc:picChg>
+        <pc:picChg chg="add mod">
+          <ac:chgData name="Mariam Assdi" userId="65c9569a-13f6-4c7a-bd4b-d64bee52e0be" providerId="ADAL" clId="{9C4CD28F-AE51-40B1-8077-135E95233871}" dt="2026-02-03T15:05:19.518" v="52" actId="1076"/>
+          <ac:picMkLst>
+            <pc:docMk/>
+            <pc:sldMk cId="0" sldId="256"/>
+            <ac:picMk id="29" creationId="{4E3EFB2C-C71F-29A1-0409-AB8F50B7AB2E}"/>
           </ac:picMkLst>
         </pc:picChg>
       </pc:sldChg>
@@ -8558,6 +8566,36 @@
           </a:p>
         </p:txBody>
       </p:sp>
+      <p:pic>
+        <p:nvPicPr>
+          <p:cNvPr id="29" name="תמונה 28" descr="תמונה שמכילה חשמל, טקסט, הנדסת חשמל, רכיב מעגל חשמלי&#10;&#10;תוכן בינה מלאכותית גנרטיבית עשוי להיות שגוי.">
+            <a:extLst>
+              <a:ext uri="{FF2B5EF4-FFF2-40B4-BE49-F238E27FC236}">
+                <a16:creationId xmlns:a16="http://schemas.microsoft.com/office/drawing/2014/main" id="{4E3EFB2C-C71F-29A1-0409-AB8F50B7AB2E}"/>
+              </a:ext>
+            </a:extLst>
+          </p:cNvPr>
+          <p:cNvPicPr>
+            <a:picLocks noChangeAspect="1"/>
+          </p:cNvPicPr>
+          <p:nvPr/>
+        </p:nvPicPr>
+        <p:blipFill>
+          <a:blip r:embed="rId12"/>
+          <a:stretch>
+            <a:fillRect/>
+          </a:stretch>
+        </p:blipFill>
+        <p:spPr>
+          <a:xfrm>
+            <a:off x="7606005" y="17527492"/>
+            <a:ext cx="5403600" cy="6049570"/>
+          </a:xfrm>
+          <a:prstGeom prst="rect">
+            <a:avLst/>
+          </a:prstGeom>
+        </p:spPr>
+      </p:pic>
     </p:spTree>
   </p:cSld>
   <p:clrMapOvr>

--- a/IOT Poster/IOT Poster Pattern .pptx
+++ b/IOT Poster/IOT Poster Pattern .pptx
@@ -137,12 +137,12 @@
   <pc:docChgLst>
     <pc:chgData name="Mariam Assdi" userId="65c9569a-13f6-4c7a-bd4b-d64bee52e0be" providerId="ADAL" clId="{9C4CD28F-AE51-40B1-8077-135E95233871}"/>
     <pc:docChg chg="modSld">
-      <pc:chgData name="Mariam Assdi" userId="65c9569a-13f6-4c7a-bd4b-d64bee52e0be" providerId="ADAL" clId="{9C4CD28F-AE51-40B1-8077-135E95233871}" dt="2026-02-03T15:05:19.518" v="52" actId="1076"/>
+      <pc:chgData name="Mariam Assdi" userId="65c9569a-13f6-4c7a-bd4b-d64bee52e0be" providerId="ADAL" clId="{9C4CD28F-AE51-40B1-8077-135E95233871}" dt="2026-02-04T09:06:17.230" v="59" actId="6549"/>
       <pc:docMkLst>
         <pc:docMk/>
       </pc:docMkLst>
       <pc:sldChg chg="addSp modSp mod">
-        <pc:chgData name="Mariam Assdi" userId="65c9569a-13f6-4c7a-bd4b-d64bee52e0be" providerId="ADAL" clId="{9C4CD28F-AE51-40B1-8077-135E95233871}" dt="2026-02-03T15:05:19.518" v="52" actId="1076"/>
+        <pc:chgData name="Mariam Assdi" userId="65c9569a-13f6-4c7a-bd4b-d64bee52e0be" providerId="ADAL" clId="{9C4CD28F-AE51-40B1-8077-135E95233871}" dt="2026-02-04T09:06:17.230" v="59" actId="6549"/>
         <pc:sldMkLst>
           <pc:docMk/>
           <pc:sldMk cId="0" sldId="256"/>
@@ -164,7 +164,7 @@
           </ac:spMkLst>
         </pc:spChg>
         <pc:spChg chg="mod">
-          <ac:chgData name="Mariam Assdi" userId="65c9569a-13f6-4c7a-bd4b-d64bee52e0be" providerId="ADAL" clId="{9C4CD28F-AE51-40B1-8077-135E95233871}" dt="2026-02-03T14:11:23.483" v="18" actId="1076"/>
+          <ac:chgData name="Mariam Assdi" userId="65c9569a-13f6-4c7a-bd4b-d64bee52e0be" providerId="ADAL" clId="{9C4CD28F-AE51-40B1-8077-135E95233871}" dt="2026-02-04T09:06:17.230" v="59" actId="6549"/>
           <ac:spMkLst>
             <pc:docMk/>
             <pc:sldMk cId="0" sldId="256"/>
@@ -8208,7 +8208,7 @@
             </a:r>
             <a:r>
               <a:rPr lang="en-US" sz="4800" b="1" dirty="0" err="1"/>
-              <a:t>Kharabna</a:t>
+              <a:t>Kharanbeh</a:t>
             </a:r>
             <a:endParaRPr lang="en-US" sz="4800" b="1" dirty="0"/>
           </a:p>
